--- a/Json.NET_(수정자_유정).pptx
+++ b/Json.NET_(수정자_유정).pptx
@@ -6714,7 +6714,19 @@
           <a:p>
             <a:r>
               <a:rPr lang="ko-KR" altLang="en-US" dirty="0" smtClean="0"/>
-              <a:t>설정한 기본 값과 값이 같은 경우 처리 방법</a:t>
+              <a:t>데이터 타입의 기본 값으로 설정된 </a:t>
+            </a:r>
+            <a:r>
+              <a:rPr lang="en-US" altLang="ko-KR" dirty="0" smtClean="0"/>
+              <a:t>Property</a:t>
+            </a:r>
+            <a:r>
+              <a:rPr lang="ko-KR" altLang="en-US" dirty="0"/>
+              <a:t> </a:t>
+            </a:r>
+            <a:r>
+              <a:rPr lang="ko-KR" altLang="en-US" dirty="0" smtClean="0"/>
+              <a:t>처리 방법</a:t>
             </a:r>
             <a:endParaRPr lang="ko-KR" altLang="en-US" dirty="0"/>
           </a:p>

--- a/Json.NET_(수정자_유정).pptx
+++ b/Json.NET_(수정자_유정).pptx
@@ -24,6 +24,9 @@
     <p:sldId id="432" r:id="rId18"/>
     <p:sldId id="442" r:id="rId19"/>
     <p:sldId id="429" r:id="rId20"/>
+    <p:sldId id="448" r:id="rId21"/>
+    <p:sldId id="449" r:id="rId22"/>
+    <p:sldId id="450" r:id="rId23"/>
   </p:sldIdLst>
   <p:sldSz cx="12192000" cy="6858000"/>
   <p:notesSz cx="6858000" cy="9144000"/>
@@ -402,7 +405,7 @@
           <a:p>
             <a:fld id="{A5796949-F536-47E5-83D3-359ECBD6D674}" type="datetimeFigureOut">
               <a:rPr lang="ko-KR" altLang="en-US" smtClean="0"/>
-              <a:t>2017-04-06</a:t>
+              <a:t>2017-04-07</a:t>
             </a:fld>
             <a:endParaRPr lang="ko-KR" altLang="en-US"/>
           </a:p>
@@ -598,7 +601,7 @@
           <a:p>
             <a:fld id="{A5796949-F536-47E5-83D3-359ECBD6D674}" type="datetimeFigureOut">
               <a:rPr lang="ko-KR" altLang="en-US" smtClean="0"/>
-              <a:t>2017-04-06</a:t>
+              <a:t>2017-04-07</a:t>
             </a:fld>
             <a:endParaRPr lang="ko-KR" altLang="en-US"/>
           </a:p>
@@ -994,7 +997,7 @@
           <a:p>
             <a:fld id="{A5796949-F536-47E5-83D3-359ECBD6D674}" type="datetimeFigureOut">
               <a:rPr lang="ko-KR" altLang="en-US" smtClean="0"/>
-              <a:t>2017-04-06</a:t>
+              <a:t>2017-04-07</a:t>
             </a:fld>
             <a:endParaRPr lang="ko-KR" altLang="en-US"/>
           </a:p>
@@ -1242,7 +1245,7 @@
           <a:p>
             <a:fld id="{A5796949-F536-47E5-83D3-359ECBD6D674}" type="datetimeFigureOut">
               <a:rPr lang="ko-KR" altLang="en-US" smtClean="0"/>
-              <a:t>2017-04-06</a:t>
+              <a:t>2017-04-07</a:t>
             </a:fld>
             <a:endParaRPr lang="ko-KR" altLang="en-US"/>
           </a:p>
@@ -1625,7 +1628,7 @@
           <a:p>
             <a:fld id="{A5796949-F536-47E5-83D3-359ECBD6D674}" type="datetimeFigureOut">
               <a:rPr lang="ko-KR" altLang="en-US" smtClean="0"/>
-              <a:t>2017-04-06</a:t>
+              <a:t>2017-04-07</a:t>
             </a:fld>
             <a:endParaRPr lang="ko-KR" altLang="en-US"/>
           </a:p>
@@ -1759,7 +1762,7 @@
           <a:p>
             <a:fld id="{A5796949-F536-47E5-83D3-359ECBD6D674}" type="datetimeFigureOut">
               <a:rPr lang="ko-KR" altLang="en-US" smtClean="0"/>
-              <a:t>2017-04-06</a:t>
+              <a:t>2017-04-07</a:t>
             </a:fld>
             <a:endParaRPr lang="ko-KR" altLang="en-US"/>
           </a:p>
@@ -2106,7 +2109,7 @@
           <a:p>
             <a:fld id="{A5796949-F536-47E5-83D3-359ECBD6D674}" type="datetimeFigureOut">
               <a:rPr lang="ko-KR" altLang="en-US" smtClean="0"/>
-              <a:t>2017-04-06</a:t>
+              <a:t>2017-04-07</a:t>
             </a:fld>
             <a:endParaRPr lang="ko-KR" altLang="en-US"/>
           </a:p>
@@ -2375,7 +2378,7 @@
           <a:p>
             <a:fld id="{A5796949-F536-47E5-83D3-359ECBD6D674}" type="datetimeFigureOut">
               <a:rPr lang="ko-KR" altLang="en-US" smtClean="0"/>
-              <a:t>2017-04-06</a:t>
+              <a:t>2017-04-07</a:t>
             </a:fld>
             <a:endParaRPr lang="ko-KR" altLang="en-US"/>
           </a:p>
@@ -5091,11 +5094,7 @@
             </a:r>
             <a:r>
               <a:rPr lang="ko-KR" altLang="en-US" dirty="0" smtClean="0"/>
-              <a:t>를 </a:t>
-            </a:r>
-            <a:r>
-              <a:rPr lang="ko-KR" altLang="en-US" dirty="0" smtClean="0"/>
-              <a:t>특정 조건일 때 포함 시키는 방법</a:t>
+              <a:t>를 특정 조건일 때 포함 시키는 방법</a:t>
             </a:r>
             <a:endParaRPr lang="ko-KR" altLang="en-US" dirty="0"/>
           </a:p>
@@ -8877,6 +8876,1090 @@
     <p:extLst>
       <p:ext uri="{BB962C8B-B14F-4D97-AF65-F5344CB8AC3E}">
         <p14:creationId xmlns:p14="http://schemas.microsoft.com/office/powerpoint/2010/main" val="1048875968"/>
+      </p:ext>
+    </p:extLst>
+  </p:cSld>
+  <p:clrMapOvr>
+    <a:masterClrMapping/>
+  </p:clrMapOvr>
+  <p:timing>
+    <p:tnLst>
+      <p:par>
+        <p:cTn id="1" dur="indefinite" restart="never" nodeType="tmRoot"/>
+      </p:par>
+    </p:tnLst>
+  </p:timing>
+</p:sld>
+</file>
+
+<file path=ppt/slides/slide20.xml><?xml version="1.0" encoding="utf-8"?>
+<p:sld xmlns:a="http://schemas.openxmlformats.org/drawingml/2006/main" xmlns:r="http://schemas.openxmlformats.org/officeDocument/2006/relationships" xmlns:p="http://schemas.openxmlformats.org/presentationml/2006/main">
+  <p:cSld>
+    <p:spTree>
+      <p:nvGrpSpPr>
+        <p:cNvPr id="1" name=""/>
+        <p:cNvGrpSpPr/>
+        <p:nvPr/>
+      </p:nvGrpSpPr>
+      <p:grpSpPr>
+        <a:xfrm>
+          <a:off x="0" y="0"/>
+          <a:ext cx="0" cy="0"/>
+          <a:chOff x="0" y="0"/>
+          <a:chExt cx="0" cy="0"/>
+        </a:xfrm>
+      </p:grpSpPr>
+      <p:sp>
+        <p:nvSpPr>
+          <p:cNvPr id="7" name="제목 1"/>
+          <p:cNvSpPr txBox="1">
+            <a:spLocks/>
+          </p:cNvSpPr>
+          <p:nvPr/>
+        </p:nvSpPr>
+        <p:spPr>
+          <a:xfrm>
+            <a:off x="838200" y="365125"/>
+            <a:ext cx="10515600" cy="1090189"/>
+          </a:xfrm>
+          <a:prstGeom prst="rect">
+            <a:avLst/>
+          </a:prstGeom>
+        </p:spPr>
+        <p:txBody>
+          <a:bodyPr vert="horz" lIns="91440" tIns="45720" rIns="91440" bIns="45720" rtlCol="0" anchor="ctr">
+            <a:normAutofit fontScale="92500"/>
+          </a:bodyPr>
+          <a:lstStyle>
+            <a:lvl1pPr algn="l" defTabSz="914400" rtl="0" eaLnBrk="1" latinLnBrk="1" hangingPunct="1">
+              <a:lnSpc>
+                <a:spcPct val="90000"/>
+              </a:lnSpc>
+              <a:spcBef>
+                <a:spcPct val="0"/>
+              </a:spcBef>
+              <a:buNone/>
+              <a:defRPr sz="4800" kern="1200">
+                <a:solidFill>
+                  <a:schemeClr val="accent4"/>
+                </a:solidFill>
+                <a:latin typeface="+mj-lt"/>
+                <a:ea typeface="+mj-ea"/>
+                <a:cs typeface="+mj-cs"/>
+              </a:defRPr>
+            </a:lvl1pPr>
+          </a:lstStyle>
+          <a:p>
+            <a:r>
+              <a:rPr lang="en-US" altLang="ko-KR" dirty="0" smtClean="0">
+                <a:latin typeface="함초롬돋움" panose="020B0604000101010101" pitchFamily="50" charset="-127"/>
+                <a:ea typeface="함초롬돋움" panose="020B0604000101010101" pitchFamily="50" charset="-127"/>
+                <a:cs typeface="함초롬돋움" panose="020B0604000101010101" pitchFamily="50" charset="-127"/>
+              </a:rPr>
+              <a:t>XML</a:t>
+            </a:r>
+            <a:r>
+              <a:rPr lang="ko-KR" altLang="en-US" dirty="0" smtClean="0">
+                <a:latin typeface="함초롬돋움" panose="020B0604000101010101" pitchFamily="50" charset="-127"/>
+                <a:ea typeface="함초롬돋움" panose="020B0604000101010101" pitchFamily="50" charset="-127"/>
+                <a:cs typeface="함초롬돋움" panose="020B0604000101010101" pitchFamily="50" charset="-127"/>
+              </a:rPr>
+              <a:t>의 </a:t>
+            </a:r>
+            <a:r>
+              <a:rPr lang="en-US" altLang="ko-KR" dirty="0" smtClean="0">
+                <a:latin typeface="함초롬돋움" panose="020B0604000101010101" pitchFamily="50" charset="-127"/>
+                <a:ea typeface="함초롬돋움" panose="020B0604000101010101" pitchFamily="50" charset="-127"/>
+                <a:cs typeface="함초롬돋움" panose="020B0604000101010101" pitchFamily="50" charset="-127"/>
+              </a:rPr>
+              <a:t>root </a:t>
+            </a:r>
+            <a:r>
+              <a:rPr lang="ko-KR" altLang="en-US" dirty="0" smtClean="0">
+                <a:latin typeface="함초롬돋움" panose="020B0604000101010101" pitchFamily="50" charset="-127"/>
+                <a:ea typeface="함초롬돋움" panose="020B0604000101010101" pitchFamily="50" charset="-127"/>
+                <a:cs typeface="함초롬돋움" panose="020B0604000101010101" pitchFamily="50" charset="-127"/>
+              </a:rPr>
+              <a:t>태그를 생략하여 </a:t>
+            </a:r>
+            <a:r>
+              <a:rPr lang="en-US" altLang="ko-KR" dirty="0" smtClean="0">
+                <a:latin typeface="함초롬돋움" panose="020B0604000101010101" pitchFamily="50" charset="-127"/>
+                <a:ea typeface="함초롬돋움" panose="020B0604000101010101" pitchFamily="50" charset="-127"/>
+                <a:cs typeface="함초롬돋움" panose="020B0604000101010101" pitchFamily="50" charset="-127"/>
+              </a:rPr>
+              <a:t>JSON</a:t>
+            </a:r>
+            <a:r>
+              <a:rPr lang="ko-KR" altLang="en-US" dirty="0" smtClean="0">
+                <a:latin typeface="함초롬돋움" panose="020B0604000101010101" pitchFamily="50" charset="-127"/>
+                <a:ea typeface="함초롬돋움" panose="020B0604000101010101" pitchFamily="50" charset="-127"/>
+                <a:cs typeface="함초롬돋움" panose="020B0604000101010101" pitchFamily="50" charset="-127"/>
+              </a:rPr>
+              <a:t>으로</a:t>
+            </a:r>
+            <a:endParaRPr lang="ko-KR" altLang="en-US" dirty="0">
+              <a:latin typeface="함초롬돋움" panose="020B0604000101010101" pitchFamily="50" charset="-127"/>
+              <a:ea typeface="함초롬돋움" panose="020B0604000101010101" pitchFamily="50" charset="-127"/>
+              <a:cs typeface="함초롬돋움" panose="020B0604000101010101" pitchFamily="50" charset="-127"/>
+            </a:endParaRPr>
+          </a:p>
+        </p:txBody>
+      </p:sp>
+      <p:sp>
+        <p:nvSpPr>
+          <p:cNvPr id="6" name="내용 개체 틀 1"/>
+          <p:cNvSpPr txBox="1">
+            <a:spLocks/>
+          </p:cNvSpPr>
+          <p:nvPr/>
+        </p:nvSpPr>
+        <p:spPr>
+          <a:xfrm>
+            <a:off x="838200" y="1983345"/>
+            <a:ext cx="10515600" cy="4193617"/>
+          </a:xfrm>
+          <a:prstGeom prst="rect">
+            <a:avLst/>
+          </a:prstGeom>
+        </p:spPr>
+        <p:txBody>
+          <a:bodyPr vert="horz" lIns="91440" tIns="45720" rIns="91440" bIns="45720" rtlCol="0">
+            <a:normAutofit/>
+          </a:bodyPr>
+          <a:lstStyle>
+            <a:lvl1pPr marL="228600" indent="-228600" algn="l" defTabSz="914400" rtl="0" eaLnBrk="1" latinLnBrk="1" hangingPunct="1">
+              <a:lnSpc>
+                <a:spcPct val="90000"/>
+              </a:lnSpc>
+              <a:spcBef>
+                <a:spcPts val="1000"/>
+              </a:spcBef>
+              <a:buFont typeface="Arial" panose="020B0604020202020204" pitchFamily="34" charset="0"/>
+              <a:buChar char="•"/>
+              <a:defRPr sz="2800" kern="1200">
+                <a:solidFill>
+                  <a:schemeClr val="tx1"/>
+                </a:solidFill>
+                <a:latin typeface="+mn-lt"/>
+                <a:ea typeface="+mn-ea"/>
+                <a:cs typeface="+mn-cs"/>
+              </a:defRPr>
+            </a:lvl1pPr>
+            <a:lvl2pPr marL="685800" indent="-228600" algn="l" defTabSz="914400" rtl="0" eaLnBrk="1" latinLnBrk="1" hangingPunct="1">
+              <a:lnSpc>
+                <a:spcPct val="90000"/>
+              </a:lnSpc>
+              <a:spcBef>
+                <a:spcPts val="500"/>
+              </a:spcBef>
+              <a:buFont typeface="Arial" panose="020B0604020202020204" pitchFamily="34" charset="0"/>
+              <a:buChar char="•"/>
+              <a:defRPr sz="2400" kern="1200">
+                <a:solidFill>
+                  <a:schemeClr val="tx1"/>
+                </a:solidFill>
+                <a:latin typeface="+mn-lt"/>
+                <a:ea typeface="+mn-ea"/>
+                <a:cs typeface="+mn-cs"/>
+              </a:defRPr>
+            </a:lvl2pPr>
+            <a:lvl3pPr marL="1143000" indent="-228600" algn="l" defTabSz="914400" rtl="0" eaLnBrk="1" latinLnBrk="1" hangingPunct="1">
+              <a:lnSpc>
+                <a:spcPct val="90000"/>
+              </a:lnSpc>
+              <a:spcBef>
+                <a:spcPts val="500"/>
+              </a:spcBef>
+              <a:buFont typeface="Arial" panose="020B0604020202020204" pitchFamily="34" charset="0"/>
+              <a:buChar char="•"/>
+              <a:defRPr sz="2000" kern="1200">
+                <a:solidFill>
+                  <a:schemeClr val="tx1"/>
+                </a:solidFill>
+                <a:latin typeface="+mn-lt"/>
+                <a:ea typeface="+mn-ea"/>
+                <a:cs typeface="+mn-cs"/>
+              </a:defRPr>
+            </a:lvl3pPr>
+            <a:lvl4pPr marL="1600200" indent="-228600" algn="l" defTabSz="914400" rtl="0" eaLnBrk="1" latinLnBrk="1" hangingPunct="1">
+              <a:lnSpc>
+                <a:spcPct val="90000"/>
+              </a:lnSpc>
+              <a:spcBef>
+                <a:spcPts val="500"/>
+              </a:spcBef>
+              <a:buFont typeface="Arial" panose="020B0604020202020204" pitchFamily="34" charset="0"/>
+              <a:buChar char="•"/>
+              <a:defRPr sz="1800" kern="1200">
+                <a:solidFill>
+                  <a:schemeClr val="tx1"/>
+                </a:solidFill>
+                <a:latin typeface="+mn-lt"/>
+                <a:ea typeface="+mn-ea"/>
+                <a:cs typeface="+mn-cs"/>
+              </a:defRPr>
+            </a:lvl4pPr>
+            <a:lvl5pPr marL="2057400" indent="-228600" algn="l" defTabSz="914400" rtl="0" eaLnBrk="1" latinLnBrk="1" hangingPunct="1">
+              <a:lnSpc>
+                <a:spcPct val="90000"/>
+              </a:lnSpc>
+              <a:spcBef>
+                <a:spcPts val="500"/>
+              </a:spcBef>
+              <a:buFont typeface="Arial" panose="020B0604020202020204" pitchFamily="34" charset="0"/>
+              <a:buChar char="•"/>
+              <a:defRPr sz="1800" kern="1200">
+                <a:solidFill>
+                  <a:schemeClr val="tx1"/>
+                </a:solidFill>
+                <a:latin typeface="+mn-lt"/>
+                <a:ea typeface="+mn-ea"/>
+                <a:cs typeface="+mn-cs"/>
+              </a:defRPr>
+            </a:lvl5pPr>
+            <a:lvl6pPr marL="2514600" indent="-228600" algn="l" defTabSz="914400" rtl="0" eaLnBrk="1" latinLnBrk="1" hangingPunct="1">
+              <a:lnSpc>
+                <a:spcPct val="90000"/>
+              </a:lnSpc>
+              <a:spcBef>
+                <a:spcPts val="500"/>
+              </a:spcBef>
+              <a:buFont typeface="Arial" panose="020B0604020202020204" pitchFamily="34" charset="0"/>
+              <a:buChar char="•"/>
+              <a:defRPr sz="1800" kern="1200">
+                <a:solidFill>
+                  <a:schemeClr val="tx1"/>
+                </a:solidFill>
+                <a:latin typeface="+mn-lt"/>
+                <a:ea typeface="+mn-ea"/>
+                <a:cs typeface="+mn-cs"/>
+              </a:defRPr>
+            </a:lvl6pPr>
+            <a:lvl7pPr marL="2971800" indent="-228600" algn="l" defTabSz="914400" rtl="0" eaLnBrk="1" latinLnBrk="1" hangingPunct="1">
+              <a:lnSpc>
+                <a:spcPct val="90000"/>
+              </a:lnSpc>
+              <a:spcBef>
+                <a:spcPts val="500"/>
+              </a:spcBef>
+              <a:buFont typeface="Arial" panose="020B0604020202020204" pitchFamily="34" charset="0"/>
+              <a:buChar char="•"/>
+              <a:defRPr sz="1800" kern="1200">
+                <a:solidFill>
+                  <a:schemeClr val="tx1"/>
+                </a:solidFill>
+                <a:latin typeface="+mn-lt"/>
+                <a:ea typeface="+mn-ea"/>
+                <a:cs typeface="+mn-cs"/>
+              </a:defRPr>
+            </a:lvl7pPr>
+            <a:lvl8pPr marL="3429000" indent="-228600" algn="l" defTabSz="914400" rtl="0" eaLnBrk="1" latinLnBrk="1" hangingPunct="1">
+              <a:lnSpc>
+                <a:spcPct val="90000"/>
+              </a:lnSpc>
+              <a:spcBef>
+                <a:spcPts val="500"/>
+              </a:spcBef>
+              <a:buFont typeface="Arial" panose="020B0604020202020204" pitchFamily="34" charset="0"/>
+              <a:buChar char="•"/>
+              <a:defRPr sz="1800" kern="1200">
+                <a:solidFill>
+                  <a:schemeClr val="tx1"/>
+                </a:solidFill>
+                <a:latin typeface="+mn-lt"/>
+                <a:ea typeface="+mn-ea"/>
+                <a:cs typeface="+mn-cs"/>
+              </a:defRPr>
+            </a:lvl8pPr>
+            <a:lvl9pPr marL="3886200" indent="-228600" algn="l" defTabSz="914400" rtl="0" eaLnBrk="1" latinLnBrk="1" hangingPunct="1">
+              <a:lnSpc>
+                <a:spcPct val="90000"/>
+              </a:lnSpc>
+              <a:spcBef>
+                <a:spcPts val="500"/>
+              </a:spcBef>
+              <a:buFont typeface="Arial" panose="020B0604020202020204" pitchFamily="34" charset="0"/>
+              <a:buChar char="•"/>
+              <a:defRPr sz="1800" kern="1200">
+                <a:solidFill>
+                  <a:schemeClr val="tx1"/>
+                </a:solidFill>
+                <a:latin typeface="+mn-lt"/>
+                <a:ea typeface="+mn-ea"/>
+                <a:cs typeface="+mn-cs"/>
+              </a:defRPr>
+            </a:lvl9pPr>
+          </a:lstStyle>
+          <a:p>
+            <a:endParaRPr lang="ko-KR" altLang="en-US" dirty="0"/>
+          </a:p>
+        </p:txBody>
+      </p:sp>
+      <p:pic>
+        <p:nvPicPr>
+          <p:cNvPr id="2" name="그림 1"/>
+          <p:cNvPicPr>
+            <a:picLocks noChangeAspect="1"/>
+          </p:cNvPicPr>
+          <p:nvPr/>
+        </p:nvPicPr>
+        <p:blipFill>
+          <a:blip r:embed="rId2"/>
+          <a:stretch>
+            <a:fillRect/>
+          </a:stretch>
+        </p:blipFill>
+        <p:spPr>
+          <a:xfrm>
+            <a:off x="3371429" y="2263063"/>
+            <a:ext cx="5449142" cy="4077546"/>
+          </a:xfrm>
+          <a:prstGeom prst="rect">
+            <a:avLst/>
+          </a:prstGeom>
+        </p:spPr>
+      </p:pic>
+    </p:spTree>
+    <p:extLst>
+      <p:ext uri="{BB962C8B-B14F-4D97-AF65-F5344CB8AC3E}">
+        <p14:creationId xmlns:p14="http://schemas.microsoft.com/office/powerpoint/2010/main" val="1018925983"/>
+      </p:ext>
+    </p:extLst>
+  </p:cSld>
+  <p:clrMapOvr>
+    <a:masterClrMapping/>
+  </p:clrMapOvr>
+  <p:timing>
+    <p:tnLst>
+      <p:par>
+        <p:cTn id="1" dur="indefinite" restart="never" nodeType="tmRoot"/>
+      </p:par>
+    </p:tnLst>
+  </p:timing>
+</p:sld>
+</file>
+
+<file path=ppt/slides/slide21.xml><?xml version="1.0" encoding="utf-8"?>
+<p:sld xmlns:a="http://schemas.openxmlformats.org/drawingml/2006/main" xmlns:r="http://schemas.openxmlformats.org/officeDocument/2006/relationships" xmlns:p="http://schemas.openxmlformats.org/presentationml/2006/main">
+  <p:cSld>
+    <p:spTree>
+      <p:nvGrpSpPr>
+        <p:cNvPr id="1" name=""/>
+        <p:cNvGrpSpPr/>
+        <p:nvPr/>
+      </p:nvGrpSpPr>
+      <p:grpSpPr>
+        <a:xfrm>
+          <a:off x="0" y="0"/>
+          <a:ext cx="0" cy="0"/>
+          <a:chOff x="0" y="0"/>
+          <a:chExt cx="0" cy="0"/>
+        </a:xfrm>
+      </p:grpSpPr>
+      <p:sp>
+        <p:nvSpPr>
+          <p:cNvPr id="7" name="제목 1"/>
+          <p:cNvSpPr txBox="1">
+            <a:spLocks/>
+          </p:cNvSpPr>
+          <p:nvPr/>
+        </p:nvSpPr>
+        <p:spPr>
+          <a:xfrm>
+            <a:off x="838200" y="365125"/>
+            <a:ext cx="10515600" cy="1090189"/>
+          </a:xfrm>
+          <a:prstGeom prst="rect">
+            <a:avLst/>
+          </a:prstGeom>
+        </p:spPr>
+        <p:txBody>
+          <a:bodyPr vert="horz" lIns="91440" tIns="45720" rIns="91440" bIns="45720" rtlCol="0" anchor="ctr">
+            <a:normAutofit/>
+          </a:bodyPr>
+          <a:lstStyle>
+            <a:lvl1pPr algn="l" defTabSz="914400" rtl="0" eaLnBrk="1" latinLnBrk="1" hangingPunct="1">
+              <a:lnSpc>
+                <a:spcPct val="90000"/>
+              </a:lnSpc>
+              <a:spcBef>
+                <a:spcPct val="0"/>
+              </a:spcBef>
+              <a:buNone/>
+              <a:defRPr sz="4800" kern="1200">
+                <a:solidFill>
+                  <a:schemeClr val="accent4"/>
+                </a:solidFill>
+                <a:latin typeface="+mj-lt"/>
+                <a:ea typeface="+mj-ea"/>
+                <a:cs typeface="+mj-cs"/>
+              </a:defRPr>
+            </a:lvl1pPr>
+          </a:lstStyle>
+          <a:p>
+            <a:r>
+              <a:rPr lang="en-US" altLang="ko-KR" sz="4000" dirty="0" smtClean="0">
+                <a:latin typeface="함초롬돋움" panose="020B0604000101010101" pitchFamily="50" charset="-127"/>
+                <a:ea typeface="함초롬돋움" panose="020B0604000101010101" pitchFamily="50" charset="-127"/>
+                <a:cs typeface="함초롬돋움" panose="020B0604000101010101" pitchFamily="50" charset="-127"/>
+              </a:rPr>
+              <a:t>Object</a:t>
+            </a:r>
+            <a:r>
+              <a:rPr lang="ko-KR" altLang="en-US" sz="4000" dirty="0" smtClean="0">
+                <a:latin typeface="함초롬돋움" panose="020B0604000101010101" pitchFamily="50" charset="-127"/>
+                <a:ea typeface="함초롬돋움" panose="020B0604000101010101" pitchFamily="50" charset="-127"/>
+                <a:cs typeface="함초롬돋움" panose="020B0604000101010101" pitchFamily="50" charset="-127"/>
+              </a:rPr>
+              <a:t>와</a:t>
+            </a:r>
+            <a:r>
+              <a:rPr lang="en-US" altLang="ko-KR" sz="4000" dirty="0">
+                <a:latin typeface="함초롬돋움" panose="020B0604000101010101" pitchFamily="50" charset="-127"/>
+                <a:ea typeface="함초롬돋움" panose="020B0604000101010101" pitchFamily="50" charset="-127"/>
+                <a:cs typeface="함초롬돋움" panose="020B0604000101010101" pitchFamily="50" charset="-127"/>
+              </a:rPr>
+              <a:t> </a:t>
+            </a:r>
+            <a:r>
+              <a:rPr lang="en-US" altLang="ko-KR" sz="4000" dirty="0" smtClean="0">
+                <a:latin typeface="함초롬돋움" panose="020B0604000101010101" pitchFamily="50" charset="-127"/>
+                <a:ea typeface="함초롬돋움" panose="020B0604000101010101" pitchFamily="50" charset="-127"/>
+                <a:cs typeface="함초롬돋움" panose="020B0604000101010101" pitchFamily="50" charset="-127"/>
+              </a:rPr>
+              <a:t>JSON </a:t>
+            </a:r>
+            <a:r>
+              <a:rPr lang="ko-KR" altLang="en-US" sz="4000" dirty="0" smtClean="0">
+                <a:latin typeface="함초롬돋움" panose="020B0604000101010101" pitchFamily="50" charset="-127"/>
+                <a:ea typeface="함초롬돋움" panose="020B0604000101010101" pitchFamily="50" charset="-127"/>
+                <a:cs typeface="함초롬돋움" panose="020B0604000101010101" pitchFamily="50" charset="-127"/>
+              </a:rPr>
+              <a:t>변환</a:t>
+            </a:r>
+            <a:r>
+              <a:rPr lang="en-US" altLang="ko-KR" sz="4000" dirty="0" smtClean="0">
+                <a:latin typeface="함초롬돋움" panose="020B0604000101010101" pitchFamily="50" charset="-127"/>
+                <a:ea typeface="함초롬돋움" panose="020B0604000101010101" pitchFamily="50" charset="-127"/>
+                <a:cs typeface="함초롬돋움" panose="020B0604000101010101" pitchFamily="50" charset="-127"/>
+              </a:rPr>
+              <a:t>(Key </a:t>
+            </a:r>
+            <a:r>
+              <a:rPr lang="ko-KR" altLang="en-US" sz="4000" dirty="0" smtClean="0">
+                <a:latin typeface="함초롬돋움" panose="020B0604000101010101" pitchFamily="50" charset="-127"/>
+                <a:ea typeface="함초롬돋움" panose="020B0604000101010101" pitchFamily="50" charset="-127"/>
+                <a:cs typeface="함초롬돋움" panose="020B0604000101010101" pitchFamily="50" charset="-127"/>
+              </a:rPr>
+              <a:t>이름 변경</a:t>
+            </a:r>
+            <a:r>
+              <a:rPr lang="en-US" altLang="ko-KR" sz="4000" dirty="0" smtClean="0">
+                <a:latin typeface="함초롬돋움" panose="020B0604000101010101" pitchFamily="50" charset="-127"/>
+                <a:ea typeface="함초롬돋움" panose="020B0604000101010101" pitchFamily="50" charset="-127"/>
+                <a:cs typeface="함초롬돋움" panose="020B0604000101010101" pitchFamily="50" charset="-127"/>
+              </a:rPr>
+              <a:t>)</a:t>
+            </a:r>
+            <a:endParaRPr lang="ko-KR" altLang="en-US" sz="4000" dirty="0">
+              <a:latin typeface="함초롬돋움" panose="020B0604000101010101" pitchFamily="50" charset="-127"/>
+              <a:ea typeface="함초롬돋움" panose="020B0604000101010101" pitchFamily="50" charset="-127"/>
+              <a:cs typeface="함초롬돋움" panose="020B0604000101010101" pitchFamily="50" charset="-127"/>
+            </a:endParaRPr>
+          </a:p>
+        </p:txBody>
+      </p:sp>
+      <p:sp>
+        <p:nvSpPr>
+          <p:cNvPr id="6" name="내용 개체 틀 1"/>
+          <p:cNvSpPr txBox="1">
+            <a:spLocks/>
+          </p:cNvSpPr>
+          <p:nvPr/>
+        </p:nvSpPr>
+        <p:spPr>
+          <a:xfrm>
+            <a:off x="838200" y="1983345"/>
+            <a:ext cx="10515600" cy="4193617"/>
+          </a:xfrm>
+          <a:prstGeom prst="rect">
+            <a:avLst/>
+          </a:prstGeom>
+        </p:spPr>
+        <p:txBody>
+          <a:bodyPr vert="horz" lIns="91440" tIns="45720" rIns="91440" bIns="45720" rtlCol="0">
+            <a:normAutofit/>
+          </a:bodyPr>
+          <a:lstStyle>
+            <a:lvl1pPr marL="228600" indent="-228600" algn="l" defTabSz="914400" rtl="0" eaLnBrk="1" latinLnBrk="1" hangingPunct="1">
+              <a:lnSpc>
+                <a:spcPct val="90000"/>
+              </a:lnSpc>
+              <a:spcBef>
+                <a:spcPts val="1000"/>
+              </a:spcBef>
+              <a:buFont typeface="Arial" panose="020B0604020202020204" pitchFamily="34" charset="0"/>
+              <a:buChar char="•"/>
+              <a:defRPr sz="2800" kern="1200">
+                <a:solidFill>
+                  <a:schemeClr val="tx1"/>
+                </a:solidFill>
+                <a:latin typeface="+mn-lt"/>
+                <a:ea typeface="+mn-ea"/>
+                <a:cs typeface="+mn-cs"/>
+              </a:defRPr>
+            </a:lvl1pPr>
+            <a:lvl2pPr marL="685800" indent="-228600" algn="l" defTabSz="914400" rtl="0" eaLnBrk="1" latinLnBrk="1" hangingPunct="1">
+              <a:lnSpc>
+                <a:spcPct val="90000"/>
+              </a:lnSpc>
+              <a:spcBef>
+                <a:spcPts val="500"/>
+              </a:spcBef>
+              <a:buFont typeface="Arial" panose="020B0604020202020204" pitchFamily="34" charset="0"/>
+              <a:buChar char="•"/>
+              <a:defRPr sz="2400" kern="1200">
+                <a:solidFill>
+                  <a:schemeClr val="tx1"/>
+                </a:solidFill>
+                <a:latin typeface="+mn-lt"/>
+                <a:ea typeface="+mn-ea"/>
+                <a:cs typeface="+mn-cs"/>
+              </a:defRPr>
+            </a:lvl2pPr>
+            <a:lvl3pPr marL="1143000" indent="-228600" algn="l" defTabSz="914400" rtl="0" eaLnBrk="1" latinLnBrk="1" hangingPunct="1">
+              <a:lnSpc>
+                <a:spcPct val="90000"/>
+              </a:lnSpc>
+              <a:spcBef>
+                <a:spcPts val="500"/>
+              </a:spcBef>
+              <a:buFont typeface="Arial" panose="020B0604020202020204" pitchFamily="34" charset="0"/>
+              <a:buChar char="•"/>
+              <a:defRPr sz="2000" kern="1200">
+                <a:solidFill>
+                  <a:schemeClr val="tx1"/>
+                </a:solidFill>
+                <a:latin typeface="+mn-lt"/>
+                <a:ea typeface="+mn-ea"/>
+                <a:cs typeface="+mn-cs"/>
+              </a:defRPr>
+            </a:lvl3pPr>
+            <a:lvl4pPr marL="1600200" indent="-228600" algn="l" defTabSz="914400" rtl="0" eaLnBrk="1" latinLnBrk="1" hangingPunct="1">
+              <a:lnSpc>
+                <a:spcPct val="90000"/>
+              </a:lnSpc>
+              <a:spcBef>
+                <a:spcPts val="500"/>
+              </a:spcBef>
+              <a:buFont typeface="Arial" panose="020B0604020202020204" pitchFamily="34" charset="0"/>
+              <a:buChar char="•"/>
+              <a:defRPr sz="1800" kern="1200">
+                <a:solidFill>
+                  <a:schemeClr val="tx1"/>
+                </a:solidFill>
+                <a:latin typeface="+mn-lt"/>
+                <a:ea typeface="+mn-ea"/>
+                <a:cs typeface="+mn-cs"/>
+              </a:defRPr>
+            </a:lvl4pPr>
+            <a:lvl5pPr marL="2057400" indent="-228600" algn="l" defTabSz="914400" rtl="0" eaLnBrk="1" latinLnBrk="1" hangingPunct="1">
+              <a:lnSpc>
+                <a:spcPct val="90000"/>
+              </a:lnSpc>
+              <a:spcBef>
+                <a:spcPts val="500"/>
+              </a:spcBef>
+              <a:buFont typeface="Arial" panose="020B0604020202020204" pitchFamily="34" charset="0"/>
+              <a:buChar char="•"/>
+              <a:defRPr sz="1800" kern="1200">
+                <a:solidFill>
+                  <a:schemeClr val="tx1"/>
+                </a:solidFill>
+                <a:latin typeface="+mn-lt"/>
+                <a:ea typeface="+mn-ea"/>
+                <a:cs typeface="+mn-cs"/>
+              </a:defRPr>
+            </a:lvl5pPr>
+            <a:lvl6pPr marL="2514600" indent="-228600" algn="l" defTabSz="914400" rtl="0" eaLnBrk="1" latinLnBrk="1" hangingPunct="1">
+              <a:lnSpc>
+                <a:spcPct val="90000"/>
+              </a:lnSpc>
+              <a:spcBef>
+                <a:spcPts val="500"/>
+              </a:spcBef>
+              <a:buFont typeface="Arial" panose="020B0604020202020204" pitchFamily="34" charset="0"/>
+              <a:buChar char="•"/>
+              <a:defRPr sz="1800" kern="1200">
+                <a:solidFill>
+                  <a:schemeClr val="tx1"/>
+                </a:solidFill>
+                <a:latin typeface="+mn-lt"/>
+                <a:ea typeface="+mn-ea"/>
+                <a:cs typeface="+mn-cs"/>
+              </a:defRPr>
+            </a:lvl6pPr>
+            <a:lvl7pPr marL="2971800" indent="-228600" algn="l" defTabSz="914400" rtl="0" eaLnBrk="1" latinLnBrk="1" hangingPunct="1">
+              <a:lnSpc>
+                <a:spcPct val="90000"/>
+              </a:lnSpc>
+              <a:spcBef>
+                <a:spcPts val="500"/>
+              </a:spcBef>
+              <a:buFont typeface="Arial" panose="020B0604020202020204" pitchFamily="34" charset="0"/>
+              <a:buChar char="•"/>
+              <a:defRPr sz="1800" kern="1200">
+                <a:solidFill>
+                  <a:schemeClr val="tx1"/>
+                </a:solidFill>
+                <a:latin typeface="+mn-lt"/>
+                <a:ea typeface="+mn-ea"/>
+                <a:cs typeface="+mn-cs"/>
+              </a:defRPr>
+            </a:lvl7pPr>
+            <a:lvl8pPr marL="3429000" indent="-228600" algn="l" defTabSz="914400" rtl="0" eaLnBrk="1" latinLnBrk="1" hangingPunct="1">
+              <a:lnSpc>
+                <a:spcPct val="90000"/>
+              </a:lnSpc>
+              <a:spcBef>
+                <a:spcPts val="500"/>
+              </a:spcBef>
+              <a:buFont typeface="Arial" panose="020B0604020202020204" pitchFamily="34" charset="0"/>
+              <a:buChar char="•"/>
+              <a:defRPr sz="1800" kern="1200">
+                <a:solidFill>
+                  <a:schemeClr val="tx1"/>
+                </a:solidFill>
+                <a:latin typeface="+mn-lt"/>
+                <a:ea typeface="+mn-ea"/>
+                <a:cs typeface="+mn-cs"/>
+              </a:defRPr>
+            </a:lvl8pPr>
+            <a:lvl9pPr marL="3886200" indent="-228600" algn="l" defTabSz="914400" rtl="0" eaLnBrk="1" latinLnBrk="1" hangingPunct="1">
+              <a:lnSpc>
+                <a:spcPct val="90000"/>
+              </a:lnSpc>
+              <a:spcBef>
+                <a:spcPts val="500"/>
+              </a:spcBef>
+              <a:buFont typeface="Arial" panose="020B0604020202020204" pitchFamily="34" charset="0"/>
+              <a:buChar char="•"/>
+              <a:defRPr sz="1800" kern="1200">
+                <a:solidFill>
+                  <a:schemeClr val="tx1"/>
+                </a:solidFill>
+                <a:latin typeface="+mn-lt"/>
+                <a:ea typeface="+mn-ea"/>
+                <a:cs typeface="+mn-cs"/>
+              </a:defRPr>
+            </a:lvl9pPr>
+          </a:lstStyle>
+          <a:p>
+            <a:endParaRPr lang="ko-KR" altLang="en-US" dirty="0"/>
+          </a:p>
+        </p:txBody>
+      </p:sp>
+      <p:pic>
+        <p:nvPicPr>
+          <p:cNvPr id="3" name="그림 2"/>
+          <p:cNvPicPr>
+            <a:picLocks noChangeAspect="1"/>
+          </p:cNvPicPr>
+          <p:nvPr/>
+        </p:nvPicPr>
+        <p:blipFill>
+          <a:blip r:embed="rId2"/>
+          <a:stretch>
+            <a:fillRect/>
+          </a:stretch>
+        </p:blipFill>
+        <p:spPr>
+          <a:xfrm>
+            <a:off x="1006446" y="2650884"/>
+            <a:ext cx="3495675" cy="3257550"/>
+          </a:xfrm>
+          <a:prstGeom prst="rect">
+            <a:avLst/>
+          </a:prstGeom>
+        </p:spPr>
+      </p:pic>
+      <p:pic>
+        <p:nvPicPr>
+          <p:cNvPr id="5" name="그림 4"/>
+          <p:cNvPicPr>
+            <a:picLocks noChangeAspect="1"/>
+          </p:cNvPicPr>
+          <p:nvPr/>
+        </p:nvPicPr>
+        <p:blipFill>
+          <a:blip r:embed="rId3"/>
+          <a:stretch>
+            <a:fillRect/>
+          </a:stretch>
+        </p:blipFill>
+        <p:spPr>
+          <a:xfrm>
+            <a:off x="5953125" y="3117609"/>
+            <a:ext cx="5400675" cy="2790825"/>
+          </a:xfrm>
+          <a:prstGeom prst="rect">
+            <a:avLst/>
+          </a:prstGeom>
+        </p:spPr>
+      </p:pic>
+    </p:spTree>
+    <p:extLst>
+      <p:ext uri="{BB962C8B-B14F-4D97-AF65-F5344CB8AC3E}">
+        <p14:creationId xmlns:p14="http://schemas.microsoft.com/office/powerpoint/2010/main" val="789797031"/>
+      </p:ext>
+    </p:extLst>
+  </p:cSld>
+  <p:clrMapOvr>
+    <a:masterClrMapping/>
+  </p:clrMapOvr>
+  <p:timing>
+    <p:tnLst>
+      <p:par>
+        <p:cTn id="1" dur="indefinite" restart="never" nodeType="tmRoot"/>
+      </p:par>
+    </p:tnLst>
+  </p:timing>
+</p:sld>
+</file>
+
+<file path=ppt/slides/slide22.xml><?xml version="1.0" encoding="utf-8"?>
+<p:sld xmlns:a="http://schemas.openxmlformats.org/drawingml/2006/main" xmlns:r="http://schemas.openxmlformats.org/officeDocument/2006/relationships" xmlns:p="http://schemas.openxmlformats.org/presentationml/2006/main">
+  <p:cSld>
+    <p:spTree>
+      <p:nvGrpSpPr>
+        <p:cNvPr id="1" name=""/>
+        <p:cNvGrpSpPr/>
+        <p:nvPr/>
+      </p:nvGrpSpPr>
+      <p:grpSpPr>
+        <a:xfrm>
+          <a:off x="0" y="0"/>
+          <a:ext cx="0" cy="0"/>
+          <a:chOff x="0" y="0"/>
+          <a:chExt cx="0" cy="0"/>
+        </a:xfrm>
+      </p:grpSpPr>
+      <p:sp>
+        <p:nvSpPr>
+          <p:cNvPr id="7" name="제목 1"/>
+          <p:cNvSpPr txBox="1">
+            <a:spLocks/>
+          </p:cNvSpPr>
+          <p:nvPr/>
+        </p:nvSpPr>
+        <p:spPr>
+          <a:xfrm>
+            <a:off x="838200" y="365125"/>
+            <a:ext cx="10515600" cy="1090189"/>
+          </a:xfrm>
+          <a:prstGeom prst="rect">
+            <a:avLst/>
+          </a:prstGeom>
+        </p:spPr>
+        <p:txBody>
+          <a:bodyPr vert="horz" lIns="91440" tIns="45720" rIns="91440" bIns="45720" rtlCol="0" anchor="ctr">
+            <a:normAutofit/>
+          </a:bodyPr>
+          <a:lstStyle>
+            <a:lvl1pPr algn="l" defTabSz="914400" rtl="0" eaLnBrk="1" latinLnBrk="1" hangingPunct="1">
+              <a:lnSpc>
+                <a:spcPct val="90000"/>
+              </a:lnSpc>
+              <a:spcBef>
+                <a:spcPct val="0"/>
+              </a:spcBef>
+              <a:buNone/>
+              <a:defRPr sz="4800" kern="1200">
+                <a:solidFill>
+                  <a:schemeClr val="accent4"/>
+                </a:solidFill>
+                <a:latin typeface="+mj-lt"/>
+                <a:ea typeface="+mj-ea"/>
+                <a:cs typeface="+mj-cs"/>
+              </a:defRPr>
+            </a:lvl1pPr>
+          </a:lstStyle>
+          <a:p>
+            <a:r>
+              <a:rPr lang="en-US" altLang="ko-KR" sz="4000" dirty="0" smtClean="0">
+                <a:latin typeface="함초롬돋움" panose="020B0604000101010101" pitchFamily="50" charset="-127"/>
+                <a:ea typeface="함초롬돋움" panose="020B0604000101010101" pitchFamily="50" charset="-127"/>
+                <a:cs typeface="함초롬돋움" panose="020B0604000101010101" pitchFamily="50" charset="-127"/>
+              </a:rPr>
+              <a:t>JSON </a:t>
+            </a:r>
+            <a:r>
+              <a:rPr lang="ko-KR" altLang="en-US" sz="4000" dirty="0" smtClean="0">
+                <a:latin typeface="함초롬돋움" panose="020B0604000101010101" pitchFamily="50" charset="-127"/>
+                <a:ea typeface="함초롬돋움" panose="020B0604000101010101" pitchFamily="50" charset="-127"/>
+                <a:cs typeface="함초롬돋움" panose="020B0604000101010101" pitchFamily="50" charset="-127"/>
+              </a:rPr>
+              <a:t>데이터의 </a:t>
+            </a:r>
+            <a:r>
+              <a:rPr lang="en-US" altLang="ko-KR" sz="4000" dirty="0" smtClean="0">
+                <a:latin typeface="함초롬돋움" panose="020B0604000101010101" pitchFamily="50" charset="-127"/>
+                <a:ea typeface="함초롬돋움" panose="020B0604000101010101" pitchFamily="50" charset="-127"/>
+                <a:cs typeface="함초롬돋움" panose="020B0604000101010101" pitchFamily="50" charset="-127"/>
+              </a:rPr>
+              <a:t>key</a:t>
+            </a:r>
+            <a:r>
+              <a:rPr lang="ko-KR" altLang="en-US" sz="4000" dirty="0" smtClean="0">
+                <a:latin typeface="함초롬돋움" panose="020B0604000101010101" pitchFamily="50" charset="-127"/>
+                <a:ea typeface="함초롬돋움" panose="020B0604000101010101" pitchFamily="50" charset="-127"/>
+                <a:cs typeface="함초롬돋움" panose="020B0604000101010101" pitchFamily="50" charset="-127"/>
+              </a:rPr>
+              <a:t>값을 </a:t>
+            </a:r>
+            <a:r>
+              <a:rPr lang="en-US" altLang="ko-KR" sz="4000" dirty="0" smtClean="0">
+                <a:latin typeface="함초롬돋움" panose="020B0604000101010101" pitchFamily="50" charset="-127"/>
+                <a:ea typeface="함초롬돋움" panose="020B0604000101010101" pitchFamily="50" charset="-127"/>
+                <a:cs typeface="함초롬돋움" panose="020B0604000101010101" pitchFamily="50" charset="-127"/>
+              </a:rPr>
+              <a:t>XML</a:t>
+            </a:r>
+            <a:r>
+              <a:rPr lang="ko-KR" altLang="en-US" sz="4000" dirty="0" smtClean="0">
+                <a:latin typeface="함초롬돋움" panose="020B0604000101010101" pitchFamily="50" charset="-127"/>
+                <a:ea typeface="함초롬돋움" panose="020B0604000101010101" pitchFamily="50" charset="-127"/>
+                <a:cs typeface="함초롬돋움" panose="020B0604000101010101" pitchFamily="50" charset="-127"/>
+              </a:rPr>
+              <a:t>의 속성으로 변경</a:t>
+            </a:r>
+            <a:endParaRPr lang="ko-KR" altLang="en-US" sz="4000" dirty="0">
+              <a:latin typeface="함초롬돋움" panose="020B0604000101010101" pitchFamily="50" charset="-127"/>
+              <a:ea typeface="함초롬돋움" panose="020B0604000101010101" pitchFamily="50" charset="-127"/>
+              <a:cs typeface="함초롬돋움" panose="020B0604000101010101" pitchFamily="50" charset="-127"/>
+            </a:endParaRPr>
+          </a:p>
+        </p:txBody>
+      </p:sp>
+      <p:sp>
+        <p:nvSpPr>
+          <p:cNvPr id="6" name="내용 개체 틀 1"/>
+          <p:cNvSpPr txBox="1">
+            <a:spLocks/>
+          </p:cNvSpPr>
+          <p:nvPr/>
+        </p:nvSpPr>
+        <p:spPr>
+          <a:xfrm>
+            <a:off x="838200" y="1983345"/>
+            <a:ext cx="10515600" cy="4193617"/>
+          </a:xfrm>
+          <a:prstGeom prst="rect">
+            <a:avLst/>
+          </a:prstGeom>
+        </p:spPr>
+        <p:txBody>
+          <a:bodyPr vert="horz" lIns="91440" tIns="45720" rIns="91440" bIns="45720" rtlCol="0">
+            <a:normAutofit/>
+          </a:bodyPr>
+          <a:lstStyle>
+            <a:lvl1pPr marL="228600" indent="-228600" algn="l" defTabSz="914400" rtl="0" eaLnBrk="1" latinLnBrk="1" hangingPunct="1">
+              <a:lnSpc>
+                <a:spcPct val="90000"/>
+              </a:lnSpc>
+              <a:spcBef>
+                <a:spcPts val="1000"/>
+              </a:spcBef>
+              <a:buFont typeface="Arial" panose="020B0604020202020204" pitchFamily="34" charset="0"/>
+              <a:buChar char="•"/>
+              <a:defRPr sz="2800" kern="1200">
+                <a:solidFill>
+                  <a:schemeClr val="tx1"/>
+                </a:solidFill>
+                <a:latin typeface="+mn-lt"/>
+                <a:ea typeface="+mn-ea"/>
+                <a:cs typeface="+mn-cs"/>
+              </a:defRPr>
+            </a:lvl1pPr>
+            <a:lvl2pPr marL="685800" indent="-228600" algn="l" defTabSz="914400" rtl="0" eaLnBrk="1" latinLnBrk="1" hangingPunct="1">
+              <a:lnSpc>
+                <a:spcPct val="90000"/>
+              </a:lnSpc>
+              <a:spcBef>
+                <a:spcPts val="500"/>
+              </a:spcBef>
+              <a:buFont typeface="Arial" panose="020B0604020202020204" pitchFamily="34" charset="0"/>
+              <a:buChar char="•"/>
+              <a:defRPr sz="2400" kern="1200">
+                <a:solidFill>
+                  <a:schemeClr val="tx1"/>
+                </a:solidFill>
+                <a:latin typeface="+mn-lt"/>
+                <a:ea typeface="+mn-ea"/>
+                <a:cs typeface="+mn-cs"/>
+              </a:defRPr>
+            </a:lvl2pPr>
+            <a:lvl3pPr marL="1143000" indent="-228600" algn="l" defTabSz="914400" rtl="0" eaLnBrk="1" latinLnBrk="1" hangingPunct="1">
+              <a:lnSpc>
+                <a:spcPct val="90000"/>
+              </a:lnSpc>
+              <a:spcBef>
+                <a:spcPts val="500"/>
+              </a:spcBef>
+              <a:buFont typeface="Arial" panose="020B0604020202020204" pitchFamily="34" charset="0"/>
+              <a:buChar char="•"/>
+              <a:defRPr sz="2000" kern="1200">
+                <a:solidFill>
+                  <a:schemeClr val="tx1"/>
+                </a:solidFill>
+                <a:latin typeface="+mn-lt"/>
+                <a:ea typeface="+mn-ea"/>
+                <a:cs typeface="+mn-cs"/>
+              </a:defRPr>
+            </a:lvl3pPr>
+            <a:lvl4pPr marL="1600200" indent="-228600" algn="l" defTabSz="914400" rtl="0" eaLnBrk="1" latinLnBrk="1" hangingPunct="1">
+              <a:lnSpc>
+                <a:spcPct val="90000"/>
+              </a:lnSpc>
+              <a:spcBef>
+                <a:spcPts val="500"/>
+              </a:spcBef>
+              <a:buFont typeface="Arial" panose="020B0604020202020204" pitchFamily="34" charset="0"/>
+              <a:buChar char="•"/>
+              <a:defRPr sz="1800" kern="1200">
+                <a:solidFill>
+                  <a:schemeClr val="tx1"/>
+                </a:solidFill>
+                <a:latin typeface="+mn-lt"/>
+                <a:ea typeface="+mn-ea"/>
+                <a:cs typeface="+mn-cs"/>
+              </a:defRPr>
+            </a:lvl4pPr>
+            <a:lvl5pPr marL="2057400" indent="-228600" algn="l" defTabSz="914400" rtl="0" eaLnBrk="1" latinLnBrk="1" hangingPunct="1">
+              <a:lnSpc>
+                <a:spcPct val="90000"/>
+              </a:lnSpc>
+              <a:spcBef>
+                <a:spcPts val="500"/>
+              </a:spcBef>
+              <a:buFont typeface="Arial" panose="020B0604020202020204" pitchFamily="34" charset="0"/>
+              <a:buChar char="•"/>
+              <a:defRPr sz="1800" kern="1200">
+                <a:solidFill>
+                  <a:schemeClr val="tx1"/>
+                </a:solidFill>
+                <a:latin typeface="+mn-lt"/>
+                <a:ea typeface="+mn-ea"/>
+                <a:cs typeface="+mn-cs"/>
+              </a:defRPr>
+            </a:lvl5pPr>
+            <a:lvl6pPr marL="2514600" indent="-228600" algn="l" defTabSz="914400" rtl="0" eaLnBrk="1" latinLnBrk="1" hangingPunct="1">
+              <a:lnSpc>
+                <a:spcPct val="90000"/>
+              </a:lnSpc>
+              <a:spcBef>
+                <a:spcPts val="500"/>
+              </a:spcBef>
+              <a:buFont typeface="Arial" panose="020B0604020202020204" pitchFamily="34" charset="0"/>
+              <a:buChar char="•"/>
+              <a:defRPr sz="1800" kern="1200">
+                <a:solidFill>
+                  <a:schemeClr val="tx1"/>
+                </a:solidFill>
+                <a:latin typeface="+mn-lt"/>
+                <a:ea typeface="+mn-ea"/>
+                <a:cs typeface="+mn-cs"/>
+              </a:defRPr>
+            </a:lvl6pPr>
+            <a:lvl7pPr marL="2971800" indent="-228600" algn="l" defTabSz="914400" rtl="0" eaLnBrk="1" latinLnBrk="1" hangingPunct="1">
+              <a:lnSpc>
+                <a:spcPct val="90000"/>
+              </a:lnSpc>
+              <a:spcBef>
+                <a:spcPts val="500"/>
+              </a:spcBef>
+              <a:buFont typeface="Arial" panose="020B0604020202020204" pitchFamily="34" charset="0"/>
+              <a:buChar char="•"/>
+              <a:defRPr sz="1800" kern="1200">
+                <a:solidFill>
+                  <a:schemeClr val="tx1"/>
+                </a:solidFill>
+                <a:latin typeface="+mn-lt"/>
+                <a:ea typeface="+mn-ea"/>
+                <a:cs typeface="+mn-cs"/>
+              </a:defRPr>
+            </a:lvl7pPr>
+            <a:lvl8pPr marL="3429000" indent="-228600" algn="l" defTabSz="914400" rtl="0" eaLnBrk="1" latinLnBrk="1" hangingPunct="1">
+              <a:lnSpc>
+                <a:spcPct val="90000"/>
+              </a:lnSpc>
+              <a:spcBef>
+                <a:spcPts val="500"/>
+              </a:spcBef>
+              <a:buFont typeface="Arial" panose="020B0604020202020204" pitchFamily="34" charset="0"/>
+              <a:buChar char="•"/>
+              <a:defRPr sz="1800" kern="1200">
+                <a:solidFill>
+                  <a:schemeClr val="tx1"/>
+                </a:solidFill>
+                <a:latin typeface="+mn-lt"/>
+                <a:ea typeface="+mn-ea"/>
+                <a:cs typeface="+mn-cs"/>
+              </a:defRPr>
+            </a:lvl8pPr>
+            <a:lvl9pPr marL="3886200" indent="-228600" algn="l" defTabSz="914400" rtl="0" eaLnBrk="1" latinLnBrk="1" hangingPunct="1">
+              <a:lnSpc>
+                <a:spcPct val="90000"/>
+              </a:lnSpc>
+              <a:spcBef>
+                <a:spcPts val="500"/>
+              </a:spcBef>
+              <a:buFont typeface="Arial" panose="020B0604020202020204" pitchFamily="34" charset="0"/>
+              <a:buChar char="•"/>
+              <a:defRPr sz="1800" kern="1200">
+                <a:solidFill>
+                  <a:schemeClr val="tx1"/>
+                </a:solidFill>
+                <a:latin typeface="+mn-lt"/>
+                <a:ea typeface="+mn-ea"/>
+                <a:cs typeface="+mn-cs"/>
+              </a:defRPr>
+            </a:lvl9pPr>
+          </a:lstStyle>
+          <a:p>
+            <a:endParaRPr lang="ko-KR" altLang="en-US" dirty="0"/>
+          </a:p>
+        </p:txBody>
+      </p:sp>
+      <p:pic>
+        <p:nvPicPr>
+          <p:cNvPr id="2" name="그림 1"/>
+          <p:cNvPicPr>
+            <a:picLocks noChangeAspect="1"/>
+          </p:cNvPicPr>
+          <p:nvPr/>
+        </p:nvPicPr>
+        <p:blipFill>
+          <a:blip r:embed="rId2"/>
+          <a:stretch>
+            <a:fillRect/>
+          </a:stretch>
+        </p:blipFill>
+        <p:spPr>
+          <a:xfrm>
+            <a:off x="3343275" y="2709862"/>
+            <a:ext cx="5505450" cy="3467100"/>
+          </a:xfrm>
+          <a:prstGeom prst="rect">
+            <a:avLst/>
+          </a:prstGeom>
+        </p:spPr>
+      </p:pic>
+    </p:spTree>
+    <p:extLst>
+      <p:ext uri="{BB962C8B-B14F-4D97-AF65-F5344CB8AC3E}">
+        <p14:creationId xmlns:p14="http://schemas.microsoft.com/office/powerpoint/2010/main" val="181954372"/>
       </p:ext>
     </p:extLst>
   </p:cSld>
